--- a/CAPITAL INVESTMENT PPT.pptx
+++ b/CAPITAL INVESTMENT PPT.pptx
@@ -6,10 +6,11 @@
   </p:sldMasterIdLst>
   <p:sldIdLst>
     <p:sldId id="256" r:id="rId2"/>
-    <p:sldId id="257" r:id="rId3"/>
-    <p:sldId id="258" r:id="rId4"/>
-    <p:sldId id="259" r:id="rId5"/>
-    <p:sldId id="260" r:id="rId6"/>
+    <p:sldId id="261" r:id="rId3"/>
+    <p:sldId id="257" r:id="rId4"/>
+    <p:sldId id="258" r:id="rId5"/>
+    <p:sldId id="259" r:id="rId6"/>
+    <p:sldId id="260" r:id="rId7"/>
   </p:sldIdLst>
   <p:sldSz cx="12192000" cy="6858000"/>
   <p:notesSz cx="6858000" cy="9144000"/>
@@ -108,10 +109,478 @@
       </a:defRPr>
     </a:lvl9pPr>
   </p:defaultTextStyle>
+  <p:extLst>
+    <p:ext uri="{EFAFB233-063F-42B5-8137-9DF3F51BA10A}">
+      <p15:sldGuideLst xmlns:p15="http://schemas.microsoft.com/office/powerpoint/2012/main"/>
+    </p:ext>
+  </p:extLst>
 </p:presentation>
 </file>
 
 <file path=ppt/charts/chart1.xml><?xml version="1.0" encoding="utf-8"?>
+<c:chartSpace xmlns:c="http://schemas.openxmlformats.org/drawingml/2006/chart" xmlns:a="http://schemas.openxmlformats.org/drawingml/2006/main" xmlns:r="http://schemas.openxmlformats.org/officeDocument/2006/relationships" xmlns:c16r2="http://schemas.microsoft.com/office/drawing/2015/06/chart">
+  <c:date1904 val="0"/>
+  <c:lang val="en-US"/>
+  <c:roundedCorners val="0"/>
+  <mc:AlternateContent xmlns:mc="http://schemas.openxmlformats.org/markup-compatibility/2006">
+    <mc:Choice xmlns:c14="http://schemas.microsoft.com/office/drawing/2007/8/2/chart" Requires="c14">
+      <c14:style val="102"/>
+    </mc:Choice>
+    <mc:Fallback>
+      <c:style val="2"/>
+    </mc:Fallback>
+  </mc:AlternateContent>
+  <c:chart>
+    <c:autoTitleDeleted val="1"/>
+    <c:plotArea>
+      <c:layout/>
+      <c:barChart>
+        <c:barDir val="col"/>
+        <c:grouping val="clustered"/>
+        <c:varyColors val="0"/>
+        <c:ser>
+          <c:idx val="0"/>
+          <c:order val="0"/>
+          <c:spPr>
+            <a:solidFill>
+              <a:schemeClr val="accent1"/>
+            </a:solidFill>
+            <a:ln>
+              <a:noFill/>
+            </a:ln>
+            <a:effectLst/>
+          </c:spPr>
+          <c:invertIfNegative val="0"/>
+          <c:dLbls>
+            <c:spPr>
+              <a:noFill/>
+              <a:ln>
+                <a:noFill/>
+              </a:ln>
+              <a:effectLst/>
+            </c:spPr>
+            <c:txPr>
+              <a:bodyPr rot="0" spcFirstLastPara="1" vertOverflow="ellipsis" vert="horz" wrap="square" anchor="ctr" anchorCtr="1"/>
+              <a:lstStyle/>
+              <a:p>
+                <a:pPr>
+                  <a:defRPr sz="2400" b="0" i="0" u="none" strike="noStrike" kern="1200" baseline="0">
+                    <a:solidFill>
+                      <a:schemeClr val="tx1">
+                        <a:lumMod val="75000"/>
+                        <a:lumOff val="25000"/>
+                      </a:schemeClr>
+                    </a:solidFill>
+                    <a:latin typeface="+mn-lt"/>
+                    <a:ea typeface="+mn-ea"/>
+                    <a:cs typeface="+mn-cs"/>
+                  </a:defRPr>
+                </a:pPr>
+                <a:endParaRPr lang="en-US"/>
+              </a:p>
+            </c:txPr>
+            <c:dLblPos val="outEnd"/>
+            <c:showLegendKey val="0"/>
+            <c:showVal val="1"/>
+            <c:showCatName val="0"/>
+            <c:showSerName val="0"/>
+            <c:showPercent val="0"/>
+            <c:showBubbleSize val="0"/>
+            <c:showLeaderLines val="0"/>
+            <c:extLst>
+              <c:ext xmlns:c15="http://schemas.microsoft.com/office/drawing/2012/chart" uri="{CE6537A1-D6FC-4f65-9D91-7224C49458BB}">
+                <c15:layout/>
+                <c15:showLeaderLines val="1"/>
+                <c15:leaderLines>
+                  <c:spPr>
+                    <a:ln w="9525" cap="flat" cmpd="sng" algn="ctr">
+                      <a:solidFill>
+                        <a:schemeClr val="tx1">
+                          <a:lumMod val="35000"/>
+                          <a:lumOff val="65000"/>
+                        </a:schemeClr>
+                      </a:solidFill>
+                      <a:round/>
+                    </a:ln>
+                    <a:effectLst/>
+                  </c:spPr>
+                </c15:leaderLines>
+              </c:ext>
+            </c:extLst>
+          </c:dLbls>
+          <c:trendline>
+            <c:spPr>
+              <a:ln w="19050" cap="rnd">
+                <a:solidFill>
+                  <a:schemeClr val="accent1"/>
+                </a:solidFill>
+                <a:prstDash val="sysDot"/>
+              </a:ln>
+              <a:effectLst/>
+            </c:spPr>
+            <c:trendlineType val="linear"/>
+            <c:dispRSqr val="0"/>
+            <c:dispEq val="0"/>
+          </c:trendline>
+          <c:cat>
+            <c:numRef>
+              <c:f>'[PBL Data Collection.xlsx]RAW DATA'!$A$2:$A$12</c:f>
+              <c:numCache>
+                <c:formatCode>General</c:formatCode>
+                <c:ptCount val="11"/>
+                <c:pt idx="0">
+                  <c:v>2008</c:v>
+                </c:pt>
+                <c:pt idx="1">
+                  <c:v>2009</c:v>
+                </c:pt>
+                <c:pt idx="2">
+                  <c:v>2010</c:v>
+                </c:pt>
+                <c:pt idx="3">
+                  <c:v>2011</c:v>
+                </c:pt>
+                <c:pt idx="4">
+                  <c:v>2012</c:v>
+                </c:pt>
+                <c:pt idx="5">
+                  <c:v>2013</c:v>
+                </c:pt>
+                <c:pt idx="6">
+                  <c:v>2014</c:v>
+                </c:pt>
+                <c:pt idx="7">
+                  <c:v>2015</c:v>
+                </c:pt>
+                <c:pt idx="8">
+                  <c:v>2016</c:v>
+                </c:pt>
+                <c:pt idx="9">
+                  <c:v>2017</c:v>
+                </c:pt>
+                <c:pt idx="10">
+                  <c:v>2018</c:v>
+                </c:pt>
+              </c:numCache>
+            </c:numRef>
+          </c:cat>
+          <c:val>
+            <c:numRef>
+              <c:f>'[PBL Data Collection.xlsx]RAW DATA'!$B$2:$B$12</c:f>
+              <c:numCache>
+                <c:formatCode>General</c:formatCode>
+                <c:ptCount val="11"/>
+                <c:pt idx="0">
+                  <c:v>167.54</c:v>
+                </c:pt>
+                <c:pt idx="1">
+                  <c:v>251.04</c:v>
+                </c:pt>
+                <c:pt idx="2">
+                  <c:v>282</c:v>
+                </c:pt>
+                <c:pt idx="3">
+                  <c:v>301.89999999999998</c:v>
+                </c:pt>
+                <c:pt idx="4">
+                  <c:v>338.15</c:v>
+                </c:pt>
+                <c:pt idx="5">
+                  <c:v>390.76</c:v>
+                </c:pt>
+                <c:pt idx="6">
+                  <c:v>433.32</c:v>
+                </c:pt>
+                <c:pt idx="7">
+                  <c:v>696.48</c:v>
+                </c:pt>
+                <c:pt idx="8">
+                  <c:v>772.05</c:v>
+                </c:pt>
+                <c:pt idx="9">
+                  <c:v>895.96</c:v>
+                </c:pt>
+                <c:pt idx="10">
+                  <c:v>1111.52</c:v>
+                </c:pt>
+              </c:numCache>
+            </c:numRef>
+          </c:val>
+          <c:extLst>
+            <c:ext xmlns:c16="http://schemas.microsoft.com/office/drawing/2014/chart" uri="{C3380CC4-5D6E-409C-BE32-E72D297353CC}">
+              <c16:uniqueId val="{00000000-5C8F-49A5-98A9-E7601B637734}"/>
+            </c:ext>
+          </c:extLst>
+        </c:ser>
+        <c:dLbls>
+          <c:dLblPos val="outEnd"/>
+          <c:showLegendKey val="0"/>
+          <c:showVal val="1"/>
+          <c:showCatName val="0"/>
+          <c:showSerName val="0"/>
+          <c:showPercent val="0"/>
+          <c:showBubbleSize val="0"/>
+        </c:dLbls>
+        <c:gapWidth val="219"/>
+        <c:overlap val="-27"/>
+        <c:axId val="1359305423"/>
+        <c:axId val="1359302095"/>
+      </c:barChart>
+      <c:catAx>
+        <c:axId val="1359305423"/>
+        <c:scaling>
+          <c:orientation val="minMax"/>
+        </c:scaling>
+        <c:delete val="0"/>
+        <c:axPos val="b"/>
+        <c:title>
+          <c:tx>
+            <c:rich>
+              <a:bodyPr rot="0" spcFirstLastPara="1" vertOverflow="ellipsis" vert="horz" wrap="square" anchor="ctr" anchorCtr="1"/>
+              <a:lstStyle/>
+              <a:p>
+                <a:pPr>
+                  <a:defRPr sz="2400" b="0" i="0" u="none" strike="noStrike" kern="1200" baseline="0">
+                    <a:solidFill>
+                      <a:schemeClr val="tx1">
+                        <a:lumMod val="65000"/>
+                        <a:lumOff val="35000"/>
+                      </a:schemeClr>
+                    </a:solidFill>
+                    <a:latin typeface="+mn-lt"/>
+                    <a:ea typeface="+mn-ea"/>
+                    <a:cs typeface="+mn-cs"/>
+                  </a:defRPr>
+                </a:pPr>
+                <a:r>
+                  <a:rPr lang="en-US"/>
+                  <a:t>FINANCIAL YEAR</a:t>
+                </a:r>
+              </a:p>
+            </c:rich>
+          </c:tx>
+          <c:layout/>
+          <c:overlay val="0"/>
+          <c:spPr>
+            <a:noFill/>
+            <a:ln>
+              <a:noFill/>
+            </a:ln>
+            <a:effectLst/>
+          </c:spPr>
+          <c:txPr>
+            <a:bodyPr rot="0" spcFirstLastPara="1" vertOverflow="ellipsis" vert="horz" wrap="square" anchor="ctr" anchorCtr="1"/>
+            <a:lstStyle/>
+            <a:p>
+              <a:pPr>
+                <a:defRPr sz="2400" b="0" i="0" u="none" strike="noStrike" kern="1200" baseline="0">
+                  <a:solidFill>
+                    <a:schemeClr val="tx1">
+                      <a:lumMod val="65000"/>
+                      <a:lumOff val="35000"/>
+                    </a:schemeClr>
+                  </a:solidFill>
+                  <a:latin typeface="+mn-lt"/>
+                  <a:ea typeface="+mn-ea"/>
+                  <a:cs typeface="+mn-cs"/>
+                </a:defRPr>
+              </a:pPr>
+              <a:endParaRPr lang="en-US"/>
+            </a:p>
+          </c:txPr>
+        </c:title>
+        <c:numFmt formatCode="General" sourceLinked="1"/>
+        <c:majorTickMark val="none"/>
+        <c:minorTickMark val="none"/>
+        <c:tickLblPos val="nextTo"/>
+        <c:spPr>
+          <a:noFill/>
+          <a:ln w="9525" cap="flat" cmpd="sng" algn="ctr">
+            <a:solidFill>
+              <a:schemeClr val="tx1">
+                <a:lumMod val="15000"/>
+                <a:lumOff val="85000"/>
+              </a:schemeClr>
+            </a:solidFill>
+            <a:round/>
+          </a:ln>
+          <a:effectLst/>
+        </c:spPr>
+        <c:txPr>
+          <a:bodyPr rot="-60000000" spcFirstLastPara="1" vertOverflow="ellipsis" vert="horz" wrap="square" anchor="ctr" anchorCtr="1"/>
+          <a:lstStyle/>
+          <a:p>
+            <a:pPr>
+              <a:defRPr sz="2400" b="0" i="0" u="none" strike="noStrike" kern="1200" baseline="0">
+                <a:solidFill>
+                  <a:schemeClr val="tx1">
+                    <a:lumMod val="65000"/>
+                    <a:lumOff val="35000"/>
+                  </a:schemeClr>
+                </a:solidFill>
+                <a:latin typeface="+mn-lt"/>
+                <a:ea typeface="+mn-ea"/>
+                <a:cs typeface="+mn-cs"/>
+              </a:defRPr>
+            </a:pPr>
+            <a:endParaRPr lang="en-US"/>
+          </a:p>
+        </c:txPr>
+        <c:crossAx val="1359302095"/>
+        <c:crosses val="autoZero"/>
+        <c:auto val="1"/>
+        <c:lblAlgn val="ctr"/>
+        <c:lblOffset val="100"/>
+        <c:noMultiLvlLbl val="0"/>
+      </c:catAx>
+      <c:valAx>
+        <c:axId val="1359302095"/>
+        <c:scaling>
+          <c:orientation val="minMax"/>
+        </c:scaling>
+        <c:delete val="0"/>
+        <c:axPos val="l"/>
+        <c:majorGridlines>
+          <c:spPr>
+            <a:ln w="9525" cap="flat" cmpd="sng" algn="ctr">
+              <a:solidFill>
+                <a:schemeClr val="tx1">
+                  <a:lumMod val="15000"/>
+                  <a:lumOff val="85000"/>
+                </a:schemeClr>
+              </a:solidFill>
+              <a:round/>
+            </a:ln>
+            <a:effectLst/>
+          </c:spPr>
+        </c:majorGridlines>
+        <c:title>
+          <c:tx>
+            <c:rich>
+              <a:bodyPr rot="-5400000" spcFirstLastPara="1" vertOverflow="ellipsis" vert="horz" wrap="square" anchor="ctr" anchorCtr="1"/>
+              <a:lstStyle/>
+              <a:p>
+                <a:pPr>
+                  <a:defRPr sz="2400" b="0" i="0" u="none" strike="noStrike" kern="1200" baseline="0">
+                    <a:solidFill>
+                      <a:schemeClr val="tx1">
+                        <a:lumMod val="65000"/>
+                        <a:lumOff val="35000"/>
+                      </a:schemeClr>
+                    </a:solidFill>
+                    <a:latin typeface="+mn-lt"/>
+                    <a:ea typeface="+mn-ea"/>
+                    <a:cs typeface="+mn-cs"/>
+                  </a:defRPr>
+                </a:pPr>
+                <a:r>
+                  <a:rPr lang="en-US"/>
+                  <a:t>CUMULATIVE FDI INFLOW (US $ MILLION)</a:t>
+                </a:r>
+              </a:p>
+            </c:rich>
+          </c:tx>
+          <c:layout/>
+          <c:overlay val="0"/>
+          <c:spPr>
+            <a:noFill/>
+            <a:ln>
+              <a:noFill/>
+            </a:ln>
+            <a:effectLst/>
+          </c:spPr>
+          <c:txPr>
+            <a:bodyPr rot="-5400000" spcFirstLastPara="1" vertOverflow="ellipsis" vert="horz" wrap="square" anchor="ctr" anchorCtr="1"/>
+            <a:lstStyle/>
+            <a:p>
+              <a:pPr>
+                <a:defRPr sz="2400" b="0" i="0" u="none" strike="noStrike" kern="1200" baseline="0">
+                  <a:solidFill>
+                    <a:schemeClr val="tx1">
+                      <a:lumMod val="65000"/>
+                      <a:lumOff val="35000"/>
+                    </a:schemeClr>
+                  </a:solidFill>
+                  <a:latin typeface="+mn-lt"/>
+                  <a:ea typeface="+mn-ea"/>
+                  <a:cs typeface="+mn-cs"/>
+                </a:defRPr>
+              </a:pPr>
+              <a:endParaRPr lang="en-US"/>
+            </a:p>
+          </c:txPr>
+        </c:title>
+        <c:numFmt formatCode="General" sourceLinked="1"/>
+        <c:majorTickMark val="none"/>
+        <c:minorTickMark val="none"/>
+        <c:tickLblPos val="nextTo"/>
+        <c:spPr>
+          <a:noFill/>
+          <a:ln>
+            <a:noFill/>
+          </a:ln>
+          <a:effectLst/>
+        </c:spPr>
+        <c:txPr>
+          <a:bodyPr rot="-60000000" spcFirstLastPara="1" vertOverflow="ellipsis" vert="horz" wrap="square" anchor="ctr" anchorCtr="1"/>
+          <a:lstStyle/>
+          <a:p>
+            <a:pPr>
+              <a:defRPr sz="2400" b="0" i="0" u="none" strike="noStrike" kern="1200" baseline="0">
+                <a:solidFill>
+                  <a:schemeClr val="tx1">
+                    <a:lumMod val="65000"/>
+                    <a:lumOff val="35000"/>
+                  </a:schemeClr>
+                </a:solidFill>
+                <a:latin typeface="+mn-lt"/>
+                <a:ea typeface="+mn-ea"/>
+                <a:cs typeface="+mn-cs"/>
+              </a:defRPr>
+            </a:pPr>
+            <a:endParaRPr lang="en-US"/>
+          </a:p>
+        </c:txPr>
+        <c:crossAx val="1359305423"/>
+        <c:crosses val="autoZero"/>
+        <c:crossBetween val="between"/>
+      </c:valAx>
+      <c:spPr>
+        <a:noFill/>
+        <a:ln>
+          <a:noFill/>
+        </a:ln>
+        <a:effectLst/>
+      </c:spPr>
+    </c:plotArea>
+    <c:plotVisOnly val="1"/>
+    <c:dispBlanksAs val="gap"/>
+    <c:showDLblsOverMax val="0"/>
+  </c:chart>
+  <c:spPr>
+    <a:noFill/>
+    <a:ln>
+      <a:noFill/>
+    </a:ln>
+    <a:effectLst/>
+  </c:spPr>
+  <c:txPr>
+    <a:bodyPr/>
+    <a:lstStyle/>
+    <a:p>
+      <a:pPr>
+        <a:defRPr sz="2400"/>
+      </a:pPr>
+      <a:endParaRPr lang="en-US"/>
+    </a:p>
+  </c:txPr>
+  <c:externalData r:id="rId3">
+    <c:autoUpdate val="0"/>
+  </c:externalData>
+</c:chartSpace>
+</file>
+
+<file path=ppt/charts/chart2.xml><?xml version="1.0" encoding="utf-8"?>
 <c:chartSpace xmlns:c="http://schemas.openxmlformats.org/drawingml/2006/chart" xmlns:a="http://schemas.openxmlformats.org/drawingml/2006/main" xmlns:r="http://schemas.openxmlformats.org/officeDocument/2006/relationships" xmlns:c16r2="http://schemas.microsoft.com/office/drawing/2015/06/chart">
   <c:date1904 val="0"/>
   <c:lang val="en-US"/>
@@ -519,7 +988,7 @@
 </c:chartSpace>
 </file>
 
-<file path=ppt/charts/chart2.xml><?xml version="1.0" encoding="utf-8"?>
+<file path=ppt/charts/chart3.xml><?xml version="1.0" encoding="utf-8"?>
 <c:chartSpace xmlns:c="http://schemas.openxmlformats.org/drawingml/2006/chart" xmlns:a="http://schemas.openxmlformats.org/drawingml/2006/main" xmlns:r="http://schemas.openxmlformats.org/officeDocument/2006/relationships" xmlns:c16r2="http://schemas.microsoft.com/office/drawing/2015/06/chart">
   <c:date1904 val="0"/>
   <c:lang val="en-US"/>
@@ -864,7 +1333,7 @@
 </c:chartSpace>
 </file>
 
-<file path=ppt/charts/chart3.xml><?xml version="1.0" encoding="utf-8"?>
+<file path=ppt/charts/chart4.xml><?xml version="1.0" encoding="utf-8"?>
 <c:chartSpace xmlns:c="http://schemas.openxmlformats.org/drawingml/2006/chart" xmlns:a="http://schemas.openxmlformats.org/drawingml/2006/main" xmlns:r="http://schemas.openxmlformats.org/officeDocument/2006/relationships" xmlns:c16r2="http://schemas.microsoft.com/office/drawing/2015/06/chart">
   <c:date1904 val="0"/>
   <c:lang val="en-US"/>
@@ -1286,7 +1755,7 @@
 </c:chartSpace>
 </file>
 
-<file path=ppt/charts/chart4.xml><?xml version="1.0" encoding="utf-8"?>
+<file path=ppt/charts/chart5.xml><?xml version="1.0" encoding="utf-8"?>
 <c:chartSpace xmlns:c="http://schemas.openxmlformats.org/drawingml/2006/chart" xmlns:a="http://schemas.openxmlformats.org/drawingml/2006/main" xmlns:r="http://schemas.openxmlformats.org/officeDocument/2006/relationships" xmlns:c16r2="http://schemas.microsoft.com/office/drawing/2015/06/chart">
   <c:date1904 val="0"/>
   <c:lang val="en-US"/>
@@ -1631,7 +2100,7 @@
 </c:chartSpace>
 </file>
 
-<file path=ppt/charts/chart5.xml><?xml version="1.0" encoding="utf-8"?>
+<file path=ppt/charts/chart6.xml><?xml version="1.0" encoding="utf-8"?>
 <c:chartSpace xmlns:c="http://schemas.openxmlformats.org/drawingml/2006/chart" xmlns:a="http://schemas.openxmlformats.org/drawingml/2006/main" xmlns:r="http://schemas.openxmlformats.org/officeDocument/2006/relationships" xmlns:c16r2="http://schemas.microsoft.com/office/drawing/2015/06/chart">
   <c:date1904 val="0"/>
   <c:lang val="en-US"/>
@@ -2103,7 +2572,7 @@
 </c:chartSpace>
 </file>
 
-<file path=ppt/charts/chart6.xml><?xml version="1.0" encoding="utf-8"?>
+<file path=ppt/charts/chart7.xml><?xml version="1.0" encoding="utf-8"?>
 <c:chartSpace xmlns:c="http://schemas.openxmlformats.org/drawingml/2006/chart" xmlns:a="http://schemas.openxmlformats.org/drawingml/2006/main" xmlns:r="http://schemas.openxmlformats.org/officeDocument/2006/relationships" xmlns:c16r2="http://schemas.microsoft.com/office/drawing/2015/06/chart">
   <c:date1904 val="0"/>
   <c:lang val="en-US"/>
@@ -2581,7 +3050,7 @@
 </c:chartSpace>
 </file>
 
-<file path=ppt/charts/chart7.xml><?xml version="1.0" encoding="utf-8"?>
+<file path=ppt/charts/chart8.xml><?xml version="1.0" encoding="utf-8"?>
 <c:chartSpace xmlns:c="http://schemas.openxmlformats.org/drawingml/2006/chart" xmlns:a="http://schemas.openxmlformats.org/drawingml/2006/main" xmlns:r="http://schemas.openxmlformats.org/officeDocument/2006/relationships" xmlns:c16r2="http://schemas.microsoft.com/office/drawing/2015/06/chart">
   <c:date1904 val="0"/>
   <c:lang val="en-US"/>
@@ -3059,7 +3528,7 @@
 </c:chartSpace>
 </file>
 
-<file path=ppt/charts/chart8.xml><?xml version="1.0" encoding="utf-8"?>
+<file path=ppt/charts/chart9.xml><?xml version="1.0" encoding="utf-8"?>
 <c:chartSpace xmlns:c="http://schemas.openxmlformats.org/drawingml/2006/chart" xmlns:a="http://schemas.openxmlformats.org/drawingml/2006/main" xmlns:r="http://schemas.openxmlformats.org/officeDocument/2006/relationships" xmlns:c16r2="http://schemas.microsoft.com/office/drawing/2015/06/chart">
   <c:date1904 val="0"/>
   <c:lang val="en-US"/>
@@ -3857,6 +4326,46 @@
 </cs:colorStyle>
 </file>
 
+<file path=ppt/charts/colors9.xml><?xml version="1.0" encoding="utf-8"?>
+<cs:colorStyle xmlns:cs="http://schemas.microsoft.com/office/drawing/2012/chartStyle" xmlns:a="http://schemas.openxmlformats.org/drawingml/2006/main" meth="cycle" id="10">
+  <a:schemeClr val="accent1"/>
+  <a:schemeClr val="accent2"/>
+  <a:schemeClr val="accent3"/>
+  <a:schemeClr val="accent4"/>
+  <a:schemeClr val="accent5"/>
+  <a:schemeClr val="accent6"/>
+  <cs:variation/>
+  <cs:variation>
+    <a:lumMod val="60000"/>
+  </cs:variation>
+  <cs:variation>
+    <a:lumMod val="80000"/>
+    <a:lumOff val="20000"/>
+  </cs:variation>
+  <cs:variation>
+    <a:lumMod val="80000"/>
+  </cs:variation>
+  <cs:variation>
+    <a:lumMod val="60000"/>
+    <a:lumOff val="40000"/>
+  </cs:variation>
+  <cs:variation>
+    <a:lumMod val="50000"/>
+  </cs:variation>
+  <cs:variation>
+    <a:lumMod val="70000"/>
+    <a:lumOff val="30000"/>
+  </cs:variation>
+  <cs:variation>
+    <a:lumMod val="70000"/>
+  </cs:variation>
+  <cs:variation>
+    <a:lumMod val="50000"/>
+    <a:lumOff val="50000"/>
+  </cs:variation>
+</cs:colorStyle>
+</file>
+
 <file path=ppt/charts/style1.xml><?xml version="1.0" encoding="utf-8"?>
 <cs:chartStyle xmlns:cs="http://schemas.microsoft.com/office/drawing/2012/chartStyle" xmlns:a="http://schemas.openxmlformats.org/drawingml/2006/main" id="201">
   <cs:axisTitle>
@@ -3869,7 +4378,7 @@
         <a:lumOff val="35000"/>
       </a:schemeClr>
     </cs:fontRef>
-    <cs:defRPr sz="1330" kern="1200"/>
+    <cs:defRPr sz="1000" kern="1200"/>
   </cs:axisTitle>
   <cs:categoryAxis>
     <cs:lnRef idx="0"/>
@@ -3892,7 +4401,7 @@
         <a:round/>
       </a:ln>
     </cs:spPr>
-    <cs:defRPr sz="1197" kern="1200"/>
+    <cs:defRPr sz="900" kern="1200"/>
   </cs:categoryAxis>
   <cs:chartArea mods="allowNoFillOverride allowNoLineOverride">
     <cs:lnRef idx="0"/>
@@ -3915,7 +4424,7 @@
         <a:round/>
       </a:ln>
     </cs:spPr>
-    <cs:defRPr sz="1330" kern="1200"/>
+    <cs:defRPr sz="1000" kern="1200"/>
   </cs:chartArea>
   <cs:dataLabel>
     <cs:lnRef idx="0"/>
@@ -3927,7 +4436,7 @@
         <a:lumOff val="25000"/>
       </a:schemeClr>
     </cs:fontRef>
-    <cs:defRPr sz="1197" kern="1200"/>
+    <cs:defRPr sz="900" kern="1200"/>
   </cs:dataLabel>
   <cs:dataLabelCallout>
     <cs:lnRef idx="0"/>
@@ -3952,7 +4461,7 @@
         </a:solidFill>
       </a:ln>
     </cs:spPr>
-    <cs:defRPr sz="1197" kern="1200"/>
+    <cs:defRPr sz="900" kern="1200"/>
     <cs:bodyPr rot="0" spcFirstLastPara="1" vertOverflow="clip" horzOverflow="clip" vert="horz" wrap="square" lIns="36576" tIns="18288" rIns="36576" bIns="18288" anchor="ctr" anchorCtr="1">
       <a:spAutoFit/>
     </cs:bodyPr>
@@ -4055,7 +4564,7 @@
         <a:round/>
       </a:ln>
     </cs:spPr>
-    <cs:defRPr sz="1197" kern="1200"/>
+    <cs:defRPr sz="900" kern="1200"/>
   </cs:dataTable>
   <cs:downBar>
     <cs:lnRef idx="0"/>
@@ -4219,7 +4728,7 @@
         <a:lumOff val="35000"/>
       </a:schemeClr>
     </cs:fontRef>
-    <cs:defRPr sz="1197" kern="1200"/>
+    <cs:defRPr sz="900" kern="1200"/>
   </cs:legend>
   <cs:plotArea mods="allowNoFillOverride allowNoLineOverride">
     <cs:lnRef idx="0"/>
@@ -4247,7 +4756,7 @@
         <a:lumOff val="35000"/>
       </a:schemeClr>
     </cs:fontRef>
-    <cs:defRPr sz="1197" kern="1200"/>
+    <cs:defRPr sz="900" kern="1200"/>
   </cs:seriesAxis>
   <cs:seriesLine>
     <cs:lnRef idx="0"/>
@@ -4278,7 +4787,7 @@
         <a:lumOff val="35000"/>
       </a:schemeClr>
     </cs:fontRef>
-    <cs:defRPr sz="1862" b="0" kern="1200" spc="0" baseline="0"/>
+    <cs:defRPr sz="1400" b="0" kern="1200" spc="0" baseline="0"/>
   </cs:title>
   <cs:trendline>
     <cs:lnRef idx="0">
@@ -4308,7 +4817,7 @@
         <a:lumOff val="35000"/>
       </a:schemeClr>
     </cs:fontRef>
-    <cs:defRPr sz="1197" kern="1200"/>
+    <cs:defRPr sz="900" kern="1200"/>
   </cs:trendlineLabel>
   <cs:upBar>
     <cs:lnRef idx="0"/>
@@ -4341,7 +4850,7 @@
         <a:lumOff val="35000"/>
       </a:schemeClr>
     </cs:fontRef>
-    <cs:defRPr sz="1197" kern="1200"/>
+    <cs:defRPr sz="900" kern="1200"/>
   </cs:valueAxis>
   <cs:wall>
     <cs:lnRef idx="0"/>
@@ -4361,7 +4870,7 @@
 </file>
 
 <file path=ppt/charts/style2.xml><?xml version="1.0" encoding="utf-8"?>
-<cs:chartStyle xmlns:cs="http://schemas.microsoft.com/office/drawing/2012/chartStyle" xmlns:a="http://schemas.openxmlformats.org/drawingml/2006/main" id="240">
+<cs:chartStyle xmlns:cs="http://schemas.microsoft.com/office/drawing/2012/chartStyle" xmlns:a="http://schemas.openxmlformats.org/drawingml/2006/main" id="201">
   <cs:axisTitle>
     <cs:lnRef idx="0"/>
     <cs:fillRef idx="0"/>
@@ -4372,7 +4881,7 @@
         <a:lumOff val="35000"/>
       </a:schemeClr>
     </cs:fontRef>
-    <cs:defRPr sz="1000" kern="1200"/>
+    <cs:defRPr sz="1330" kern="1200"/>
   </cs:axisTitle>
   <cs:categoryAxis>
     <cs:lnRef idx="0"/>
@@ -4388,14 +4897,14 @@
       <a:ln w="9525" cap="flat" cmpd="sng" algn="ctr">
         <a:solidFill>
           <a:schemeClr val="tx1">
-            <a:lumMod val="25000"/>
-            <a:lumOff val="75000"/>
+            <a:lumMod val="15000"/>
+            <a:lumOff val="85000"/>
           </a:schemeClr>
         </a:solidFill>
         <a:round/>
       </a:ln>
     </cs:spPr>
-    <cs:defRPr sz="900" kern="1200"/>
+    <cs:defRPr sz="1197" kern="1200"/>
   </cs:categoryAxis>
   <cs:chartArea mods="allowNoFillOverride allowNoLineOverride">
     <cs:lnRef idx="0"/>
@@ -4418,7 +4927,7 @@
         <a:round/>
       </a:ln>
     </cs:spPr>
-    <cs:defRPr sz="1000" kern="1200"/>
+    <cs:defRPr sz="1330" kern="1200"/>
   </cs:chartArea>
   <cs:dataLabel>
     <cs:lnRef idx="0"/>
@@ -4430,7 +4939,7 @@
         <a:lumOff val="25000"/>
       </a:schemeClr>
     </cs:fontRef>
-    <cs:defRPr sz="900" kern="1200"/>
+    <cs:defRPr sz="1197" kern="1200"/>
   </cs:dataLabel>
   <cs:dataLabelCallout>
     <cs:lnRef idx="0"/>
@@ -4455,7 +4964,7 @@
         </a:solidFill>
       </a:ln>
     </cs:spPr>
-    <cs:defRPr sz="900" kern="1200"/>
+    <cs:defRPr sz="1197" kern="1200"/>
     <cs:bodyPr rot="0" spcFirstLastPara="1" vertOverflow="clip" horzOverflow="clip" vert="horz" wrap="square" lIns="36576" tIns="18288" rIns="36576" bIns="18288" anchor="ctr" anchorCtr="1">
       <a:spAutoFit/>
     </cs:bodyPr>
@@ -4490,7 +4999,7 @@
       <a:schemeClr val="tx1"/>
     </cs:fontRef>
     <cs:spPr>
-      <a:ln w="19050" cap="rnd">
+      <a:ln w="28575" cap="rnd">
         <a:solidFill>
           <a:schemeClr val="phClr"/>
         </a:solidFill>
@@ -4522,10 +5031,10 @@
     <cs:lnRef idx="0">
       <cs:styleClr val="auto"/>
     </cs:lnRef>
-    <cs:fillRef idx="0"/>
-    <cs:effectRef idx="0"/>
-    <cs:fontRef idx="minor">
-      <a:schemeClr val="dk1"/>
+    <cs:fillRef idx="1"/>
+    <cs:effectRef idx="0"/>
+    <cs:fontRef idx="minor">
+      <a:schemeClr val="tx1"/>
     </cs:fontRef>
     <cs:spPr>
       <a:ln w="9525" cap="rnd">
@@ -4558,30 +5067,29 @@
         <a:round/>
       </a:ln>
     </cs:spPr>
-    <cs:defRPr sz="900" kern="1200"/>
+    <cs:defRPr sz="1197" kern="1200"/>
   </cs:dataTable>
   <cs:downBar>
     <cs:lnRef idx="0"/>
     <cs:fillRef idx="0"/>
     <cs:effectRef idx="0"/>
     <cs:fontRef idx="minor">
-      <a:schemeClr val="tx1"/>
+      <a:schemeClr val="dk1"/>
     </cs:fontRef>
     <cs:spPr>
       <a:solidFill>
         <a:schemeClr val="dk1">
-          <a:lumMod val="75000"/>
-          <a:lumOff val="25000"/>
+          <a:lumMod val="65000"/>
+          <a:lumOff val="35000"/>
         </a:schemeClr>
       </a:solidFill>
-      <a:ln w="9525" cap="flat" cmpd="sng" algn="ctr">
+      <a:ln w="9525">
         <a:solidFill>
           <a:schemeClr val="tx1">
             <a:lumMod val="65000"/>
             <a:lumOff val="35000"/>
           </a:schemeClr>
         </a:solidFill>
-        <a:round/>
       </a:ln>
     </cs:spPr>
   </cs:downBar>
@@ -4686,8 +5194,8 @@
       <a:ln w="9525" cap="flat" cmpd="sng" algn="ctr">
         <a:solidFill>
           <a:schemeClr val="tx1">
-            <a:lumMod val="50000"/>
-            <a:lumOff val="50000"/>
+            <a:lumMod val="75000"/>
+            <a:lumOff val="25000"/>
           </a:schemeClr>
         </a:solidFill>
         <a:round/>
@@ -4723,7 +5231,7 @@
         <a:lumOff val="35000"/>
       </a:schemeClr>
     </cs:fontRef>
-    <cs:defRPr sz="900" kern="1200"/>
+    <cs:defRPr sz="1197" kern="1200"/>
   </cs:legend>
   <cs:plotArea mods="allowNoFillOverride allowNoLineOverride">
     <cs:lnRef idx="0"/>
@@ -4751,7 +5259,7 @@
         <a:lumOff val="35000"/>
       </a:schemeClr>
     </cs:fontRef>
-    <cs:defRPr sz="900" kern="1200"/>
+    <cs:defRPr sz="1197" kern="1200"/>
   </cs:seriesAxis>
   <cs:seriesLine>
     <cs:lnRef idx="0"/>
@@ -4782,7 +5290,7 @@
         <a:lumOff val="35000"/>
       </a:schemeClr>
     </cs:fontRef>
-    <cs:defRPr sz="1400" b="0" kern="1200" spc="0" baseline="0"/>
+    <cs:defRPr sz="1862" b="0" kern="1200" spc="0" baseline="0"/>
   </cs:title>
   <cs:trendline>
     <cs:lnRef idx="0">
@@ -4812,27 +5320,26 @@
         <a:lumOff val="35000"/>
       </a:schemeClr>
     </cs:fontRef>
-    <cs:defRPr sz="900" kern="1200"/>
+    <cs:defRPr sz="1197" kern="1200"/>
   </cs:trendlineLabel>
   <cs:upBar>
     <cs:lnRef idx="0"/>
     <cs:fillRef idx="0"/>
     <cs:effectRef idx="0"/>
     <cs:fontRef idx="minor">
-      <a:schemeClr val="tx1"/>
+      <a:schemeClr val="dk1"/>
     </cs:fontRef>
     <cs:spPr>
       <a:solidFill>
         <a:schemeClr val="lt1"/>
       </a:solidFill>
-      <a:ln w="9525" cap="flat" cmpd="sng" algn="ctr">
+      <a:ln w="9525">
         <a:solidFill>
           <a:schemeClr val="tx1">
-            <a:lumMod val="65000"/>
-            <a:lumOff val="35000"/>
+            <a:lumMod val="15000"/>
+            <a:lumOff val="85000"/>
           </a:schemeClr>
         </a:solidFill>
-        <a:round/>
       </a:ln>
     </cs:spPr>
   </cs:upBar>
@@ -4846,18 +5353,7 @@
         <a:lumOff val="35000"/>
       </a:schemeClr>
     </cs:fontRef>
-    <cs:spPr>
-      <a:ln w="9525" cap="flat" cmpd="sng" algn="ctr">
-        <a:solidFill>
-          <a:schemeClr val="tx1">
-            <a:lumMod val="25000"/>
-            <a:lumOff val="75000"/>
-          </a:schemeClr>
-        </a:solidFill>
-        <a:round/>
-      </a:ln>
-    </cs:spPr>
-    <cs:defRPr sz="900" kern="1200"/>
+    <cs:defRPr sz="1197" kern="1200"/>
   </cs:valueAxis>
   <cs:wall>
     <cs:lnRef idx="0"/>
@@ -4877,7 +5373,7 @@
 </file>
 
 <file path=ppt/charts/style3.xml><?xml version="1.0" encoding="utf-8"?>
-<cs:chartStyle xmlns:cs="http://schemas.microsoft.com/office/drawing/2012/chartStyle" xmlns:a="http://schemas.openxmlformats.org/drawingml/2006/main" id="201">
+<cs:chartStyle xmlns:cs="http://schemas.microsoft.com/office/drawing/2012/chartStyle" xmlns:a="http://schemas.openxmlformats.org/drawingml/2006/main" id="240">
   <cs:axisTitle>
     <cs:lnRef idx="0"/>
     <cs:fillRef idx="0"/>
@@ -4888,7 +5384,7 @@
         <a:lumOff val="35000"/>
       </a:schemeClr>
     </cs:fontRef>
-    <cs:defRPr sz="1330" kern="1200"/>
+    <cs:defRPr sz="1000" kern="1200"/>
   </cs:axisTitle>
   <cs:categoryAxis>
     <cs:lnRef idx="0"/>
@@ -4904,14 +5400,14 @@
       <a:ln w="9525" cap="flat" cmpd="sng" algn="ctr">
         <a:solidFill>
           <a:schemeClr val="tx1">
-            <a:lumMod val="15000"/>
-            <a:lumOff val="85000"/>
+            <a:lumMod val="25000"/>
+            <a:lumOff val="75000"/>
           </a:schemeClr>
         </a:solidFill>
         <a:round/>
       </a:ln>
     </cs:spPr>
-    <cs:defRPr sz="1197" kern="1200"/>
+    <cs:defRPr sz="900" kern="1200"/>
   </cs:categoryAxis>
   <cs:chartArea mods="allowNoFillOverride allowNoLineOverride">
     <cs:lnRef idx="0"/>
@@ -4934,7 +5430,7 @@
         <a:round/>
       </a:ln>
     </cs:spPr>
-    <cs:defRPr sz="1330" kern="1200"/>
+    <cs:defRPr sz="1000" kern="1200"/>
   </cs:chartArea>
   <cs:dataLabel>
     <cs:lnRef idx="0"/>
@@ -4946,7 +5442,7 @@
         <a:lumOff val="25000"/>
       </a:schemeClr>
     </cs:fontRef>
-    <cs:defRPr sz="1197" kern="1200"/>
+    <cs:defRPr sz="900" kern="1200"/>
   </cs:dataLabel>
   <cs:dataLabelCallout>
     <cs:lnRef idx="0"/>
@@ -4971,7 +5467,7 @@
         </a:solidFill>
       </a:ln>
     </cs:spPr>
-    <cs:defRPr sz="1197" kern="1200"/>
+    <cs:defRPr sz="900" kern="1200"/>
     <cs:bodyPr rot="0" spcFirstLastPara="1" vertOverflow="clip" horzOverflow="clip" vert="horz" wrap="square" lIns="36576" tIns="18288" rIns="36576" bIns="18288" anchor="ctr" anchorCtr="1">
       <a:spAutoFit/>
     </cs:bodyPr>
@@ -5006,7 +5502,7 @@
       <a:schemeClr val="tx1"/>
     </cs:fontRef>
     <cs:spPr>
-      <a:ln w="28575" cap="rnd">
+      <a:ln w="19050" cap="rnd">
         <a:solidFill>
           <a:schemeClr val="phClr"/>
         </a:solidFill>
@@ -5038,10 +5534,10 @@
     <cs:lnRef idx="0">
       <cs:styleClr val="auto"/>
     </cs:lnRef>
-    <cs:fillRef idx="1"/>
-    <cs:effectRef idx="0"/>
-    <cs:fontRef idx="minor">
-      <a:schemeClr val="tx1"/>
+    <cs:fillRef idx="0"/>
+    <cs:effectRef idx="0"/>
+    <cs:fontRef idx="minor">
+      <a:schemeClr val="dk1"/>
     </cs:fontRef>
     <cs:spPr>
       <a:ln w="9525" cap="rnd">
@@ -5074,29 +5570,30 @@
         <a:round/>
       </a:ln>
     </cs:spPr>
-    <cs:defRPr sz="1197" kern="1200"/>
+    <cs:defRPr sz="900" kern="1200"/>
   </cs:dataTable>
   <cs:downBar>
     <cs:lnRef idx="0"/>
     <cs:fillRef idx="0"/>
     <cs:effectRef idx="0"/>
     <cs:fontRef idx="minor">
-      <a:schemeClr val="dk1"/>
+      <a:schemeClr val="tx1"/>
     </cs:fontRef>
     <cs:spPr>
       <a:solidFill>
         <a:schemeClr val="dk1">
-          <a:lumMod val="65000"/>
-          <a:lumOff val="35000"/>
+          <a:lumMod val="75000"/>
+          <a:lumOff val="25000"/>
         </a:schemeClr>
       </a:solidFill>
-      <a:ln w="9525">
+      <a:ln w="9525" cap="flat" cmpd="sng" algn="ctr">
         <a:solidFill>
           <a:schemeClr val="tx1">
             <a:lumMod val="65000"/>
             <a:lumOff val="35000"/>
           </a:schemeClr>
         </a:solidFill>
+        <a:round/>
       </a:ln>
     </cs:spPr>
   </cs:downBar>
@@ -5201,8 +5698,8 @@
       <a:ln w="9525" cap="flat" cmpd="sng" algn="ctr">
         <a:solidFill>
           <a:schemeClr val="tx1">
-            <a:lumMod val="75000"/>
-            <a:lumOff val="25000"/>
+            <a:lumMod val="50000"/>
+            <a:lumOff val="50000"/>
           </a:schemeClr>
         </a:solidFill>
         <a:round/>
@@ -5238,7 +5735,7 @@
         <a:lumOff val="35000"/>
       </a:schemeClr>
     </cs:fontRef>
-    <cs:defRPr sz="1197" kern="1200"/>
+    <cs:defRPr sz="900" kern="1200"/>
   </cs:legend>
   <cs:plotArea mods="allowNoFillOverride allowNoLineOverride">
     <cs:lnRef idx="0"/>
@@ -5266,7 +5763,7 @@
         <a:lumOff val="35000"/>
       </a:schemeClr>
     </cs:fontRef>
-    <cs:defRPr sz="1197" kern="1200"/>
+    <cs:defRPr sz="900" kern="1200"/>
   </cs:seriesAxis>
   <cs:seriesLine>
     <cs:lnRef idx="0"/>
@@ -5297,7 +5794,7 @@
         <a:lumOff val="35000"/>
       </a:schemeClr>
     </cs:fontRef>
-    <cs:defRPr sz="1862" b="0" kern="1200" spc="0" baseline="0"/>
+    <cs:defRPr sz="1400" b="0" kern="1200" spc="0" baseline="0"/>
   </cs:title>
   <cs:trendline>
     <cs:lnRef idx="0">
@@ -5327,26 +5824,27 @@
         <a:lumOff val="35000"/>
       </a:schemeClr>
     </cs:fontRef>
-    <cs:defRPr sz="1197" kern="1200"/>
+    <cs:defRPr sz="900" kern="1200"/>
   </cs:trendlineLabel>
   <cs:upBar>
     <cs:lnRef idx="0"/>
     <cs:fillRef idx="0"/>
     <cs:effectRef idx="0"/>
     <cs:fontRef idx="minor">
-      <a:schemeClr val="dk1"/>
+      <a:schemeClr val="tx1"/>
     </cs:fontRef>
     <cs:spPr>
       <a:solidFill>
         <a:schemeClr val="lt1"/>
       </a:solidFill>
-      <a:ln w="9525">
+      <a:ln w="9525" cap="flat" cmpd="sng" algn="ctr">
         <a:solidFill>
           <a:schemeClr val="tx1">
-            <a:lumMod val="15000"/>
-            <a:lumOff val="85000"/>
+            <a:lumMod val="65000"/>
+            <a:lumOff val="35000"/>
           </a:schemeClr>
         </a:solidFill>
+        <a:round/>
       </a:ln>
     </cs:spPr>
   </cs:upBar>
@@ -5360,7 +5858,18 @@
         <a:lumOff val="35000"/>
       </a:schemeClr>
     </cs:fontRef>
-    <cs:defRPr sz="1197" kern="1200"/>
+    <cs:spPr>
+      <a:ln w="9525" cap="flat" cmpd="sng" algn="ctr">
+        <a:solidFill>
+          <a:schemeClr val="tx1">
+            <a:lumMod val="25000"/>
+            <a:lumOff val="75000"/>
+          </a:schemeClr>
+        </a:solidFill>
+        <a:round/>
+      </a:ln>
+    </cs:spPr>
+    <cs:defRPr sz="900" kern="1200"/>
   </cs:valueAxis>
   <cs:wall>
     <cs:lnRef idx="0"/>
@@ -5380,7 +5889,7 @@
 </file>
 
 <file path=ppt/charts/style4.xml><?xml version="1.0" encoding="utf-8"?>
-<cs:chartStyle xmlns:cs="http://schemas.microsoft.com/office/drawing/2012/chartStyle" xmlns:a="http://schemas.openxmlformats.org/drawingml/2006/main" id="240">
+<cs:chartStyle xmlns:cs="http://schemas.microsoft.com/office/drawing/2012/chartStyle" xmlns:a="http://schemas.openxmlformats.org/drawingml/2006/main" id="201">
   <cs:axisTitle>
     <cs:lnRef idx="0"/>
     <cs:fillRef idx="0"/>
@@ -5391,7 +5900,7 @@
         <a:lumOff val="35000"/>
       </a:schemeClr>
     </cs:fontRef>
-    <cs:defRPr sz="1000" kern="1200"/>
+    <cs:defRPr sz="1330" kern="1200"/>
   </cs:axisTitle>
   <cs:categoryAxis>
     <cs:lnRef idx="0"/>
@@ -5407,14 +5916,14 @@
       <a:ln w="9525" cap="flat" cmpd="sng" algn="ctr">
         <a:solidFill>
           <a:schemeClr val="tx1">
-            <a:lumMod val="25000"/>
-            <a:lumOff val="75000"/>
+            <a:lumMod val="15000"/>
+            <a:lumOff val="85000"/>
           </a:schemeClr>
         </a:solidFill>
         <a:round/>
       </a:ln>
     </cs:spPr>
-    <cs:defRPr sz="900" kern="1200"/>
+    <cs:defRPr sz="1197" kern="1200"/>
   </cs:categoryAxis>
   <cs:chartArea mods="allowNoFillOverride allowNoLineOverride">
     <cs:lnRef idx="0"/>
@@ -5437,7 +5946,7 @@
         <a:round/>
       </a:ln>
     </cs:spPr>
-    <cs:defRPr sz="1000" kern="1200"/>
+    <cs:defRPr sz="1330" kern="1200"/>
   </cs:chartArea>
   <cs:dataLabel>
     <cs:lnRef idx="0"/>
@@ -5449,7 +5958,7 @@
         <a:lumOff val="25000"/>
       </a:schemeClr>
     </cs:fontRef>
-    <cs:defRPr sz="900" kern="1200"/>
+    <cs:defRPr sz="1197" kern="1200"/>
   </cs:dataLabel>
   <cs:dataLabelCallout>
     <cs:lnRef idx="0"/>
@@ -5474,7 +5983,7 @@
         </a:solidFill>
       </a:ln>
     </cs:spPr>
-    <cs:defRPr sz="900" kern="1200"/>
+    <cs:defRPr sz="1197" kern="1200"/>
     <cs:bodyPr rot="0" spcFirstLastPara="1" vertOverflow="clip" horzOverflow="clip" vert="horz" wrap="square" lIns="36576" tIns="18288" rIns="36576" bIns="18288" anchor="ctr" anchorCtr="1">
       <a:spAutoFit/>
     </cs:bodyPr>
@@ -5509,7 +6018,7 @@
       <a:schemeClr val="tx1"/>
     </cs:fontRef>
     <cs:spPr>
-      <a:ln w="19050" cap="rnd">
+      <a:ln w="28575" cap="rnd">
         <a:solidFill>
           <a:schemeClr val="phClr"/>
         </a:solidFill>
@@ -5541,10 +6050,10 @@
     <cs:lnRef idx="0">
       <cs:styleClr val="auto"/>
     </cs:lnRef>
-    <cs:fillRef idx="0"/>
-    <cs:effectRef idx="0"/>
-    <cs:fontRef idx="minor">
-      <a:schemeClr val="dk1"/>
+    <cs:fillRef idx="1"/>
+    <cs:effectRef idx="0"/>
+    <cs:fontRef idx="minor">
+      <a:schemeClr val="tx1"/>
     </cs:fontRef>
     <cs:spPr>
       <a:ln w="9525" cap="rnd">
@@ -5577,30 +6086,29 @@
         <a:round/>
       </a:ln>
     </cs:spPr>
-    <cs:defRPr sz="900" kern="1200"/>
+    <cs:defRPr sz="1197" kern="1200"/>
   </cs:dataTable>
   <cs:downBar>
     <cs:lnRef idx="0"/>
     <cs:fillRef idx="0"/>
     <cs:effectRef idx="0"/>
     <cs:fontRef idx="minor">
-      <a:schemeClr val="tx1"/>
+      <a:schemeClr val="dk1"/>
     </cs:fontRef>
     <cs:spPr>
       <a:solidFill>
         <a:schemeClr val="dk1">
-          <a:lumMod val="75000"/>
-          <a:lumOff val="25000"/>
+          <a:lumMod val="65000"/>
+          <a:lumOff val="35000"/>
         </a:schemeClr>
       </a:solidFill>
-      <a:ln w="9525" cap="flat" cmpd="sng" algn="ctr">
+      <a:ln w="9525">
         <a:solidFill>
           <a:schemeClr val="tx1">
             <a:lumMod val="65000"/>
             <a:lumOff val="35000"/>
           </a:schemeClr>
         </a:solidFill>
-        <a:round/>
       </a:ln>
     </cs:spPr>
   </cs:downBar>
@@ -5705,8 +6213,8 @@
       <a:ln w="9525" cap="flat" cmpd="sng" algn="ctr">
         <a:solidFill>
           <a:schemeClr val="tx1">
-            <a:lumMod val="50000"/>
-            <a:lumOff val="50000"/>
+            <a:lumMod val="75000"/>
+            <a:lumOff val="25000"/>
           </a:schemeClr>
         </a:solidFill>
         <a:round/>
@@ -5742,7 +6250,7 @@
         <a:lumOff val="35000"/>
       </a:schemeClr>
     </cs:fontRef>
-    <cs:defRPr sz="900" kern="1200"/>
+    <cs:defRPr sz="1197" kern="1200"/>
   </cs:legend>
   <cs:plotArea mods="allowNoFillOverride allowNoLineOverride">
     <cs:lnRef idx="0"/>
@@ -5770,7 +6278,7 @@
         <a:lumOff val="35000"/>
       </a:schemeClr>
     </cs:fontRef>
-    <cs:defRPr sz="900" kern="1200"/>
+    <cs:defRPr sz="1197" kern="1200"/>
   </cs:seriesAxis>
   <cs:seriesLine>
     <cs:lnRef idx="0"/>
@@ -5801,7 +6309,7 @@
         <a:lumOff val="35000"/>
       </a:schemeClr>
     </cs:fontRef>
-    <cs:defRPr sz="1400" b="0" kern="1200" spc="0" baseline="0"/>
+    <cs:defRPr sz="1862" b="0" kern="1200" spc="0" baseline="0"/>
   </cs:title>
   <cs:trendline>
     <cs:lnRef idx="0">
@@ -5831,27 +6339,26 @@
         <a:lumOff val="35000"/>
       </a:schemeClr>
     </cs:fontRef>
-    <cs:defRPr sz="900" kern="1200"/>
+    <cs:defRPr sz="1197" kern="1200"/>
   </cs:trendlineLabel>
   <cs:upBar>
     <cs:lnRef idx="0"/>
     <cs:fillRef idx="0"/>
     <cs:effectRef idx="0"/>
     <cs:fontRef idx="minor">
-      <a:schemeClr val="tx1"/>
+      <a:schemeClr val="dk1"/>
     </cs:fontRef>
     <cs:spPr>
       <a:solidFill>
         <a:schemeClr val="lt1"/>
       </a:solidFill>
-      <a:ln w="9525" cap="flat" cmpd="sng" algn="ctr">
+      <a:ln w="9525">
         <a:solidFill>
           <a:schemeClr val="tx1">
-            <a:lumMod val="65000"/>
-            <a:lumOff val="35000"/>
+            <a:lumMod val="15000"/>
+            <a:lumOff val="85000"/>
           </a:schemeClr>
         </a:solidFill>
-        <a:round/>
       </a:ln>
     </cs:spPr>
   </cs:upBar>
@@ -5865,18 +6372,7 @@
         <a:lumOff val="35000"/>
       </a:schemeClr>
     </cs:fontRef>
-    <cs:spPr>
-      <a:ln w="9525" cap="flat" cmpd="sng" algn="ctr">
-        <a:solidFill>
-          <a:schemeClr val="tx1">
-            <a:lumMod val="25000"/>
-            <a:lumOff val="75000"/>
-          </a:schemeClr>
-        </a:solidFill>
-        <a:round/>
-      </a:ln>
-    </cs:spPr>
-    <cs:defRPr sz="900" kern="1200"/>
+    <cs:defRPr sz="1197" kern="1200"/>
   </cs:valueAxis>
   <cs:wall>
     <cs:lnRef idx="0"/>
@@ -5896,7 +6392,7 @@
 </file>
 
 <file path=ppt/charts/style5.xml><?xml version="1.0" encoding="utf-8"?>
-<cs:chartStyle xmlns:cs="http://schemas.microsoft.com/office/drawing/2012/chartStyle" xmlns:a="http://schemas.openxmlformats.org/drawingml/2006/main" id="201">
+<cs:chartStyle xmlns:cs="http://schemas.microsoft.com/office/drawing/2012/chartStyle" xmlns:a="http://schemas.openxmlformats.org/drawingml/2006/main" id="240">
   <cs:axisTitle>
     <cs:lnRef idx="0"/>
     <cs:fillRef idx="0"/>
@@ -5907,7 +6403,7 @@
         <a:lumOff val="35000"/>
       </a:schemeClr>
     </cs:fontRef>
-    <cs:defRPr sz="1330" kern="1200"/>
+    <cs:defRPr sz="1000" kern="1200"/>
   </cs:axisTitle>
   <cs:categoryAxis>
     <cs:lnRef idx="0"/>
@@ -5923,14 +6419,14 @@
       <a:ln w="9525" cap="flat" cmpd="sng" algn="ctr">
         <a:solidFill>
           <a:schemeClr val="tx1">
-            <a:lumMod val="15000"/>
-            <a:lumOff val="85000"/>
+            <a:lumMod val="25000"/>
+            <a:lumOff val="75000"/>
           </a:schemeClr>
         </a:solidFill>
         <a:round/>
       </a:ln>
     </cs:spPr>
-    <cs:defRPr sz="1197" kern="1200"/>
+    <cs:defRPr sz="900" kern="1200"/>
   </cs:categoryAxis>
   <cs:chartArea mods="allowNoFillOverride allowNoLineOverride">
     <cs:lnRef idx="0"/>
@@ -5953,7 +6449,7 @@
         <a:round/>
       </a:ln>
     </cs:spPr>
-    <cs:defRPr sz="1330" kern="1200"/>
+    <cs:defRPr sz="1000" kern="1200"/>
   </cs:chartArea>
   <cs:dataLabel>
     <cs:lnRef idx="0"/>
@@ -5965,7 +6461,7 @@
         <a:lumOff val="25000"/>
       </a:schemeClr>
     </cs:fontRef>
-    <cs:defRPr sz="1197" kern="1200"/>
+    <cs:defRPr sz="900" kern="1200"/>
   </cs:dataLabel>
   <cs:dataLabelCallout>
     <cs:lnRef idx="0"/>
@@ -5990,7 +6486,7 @@
         </a:solidFill>
       </a:ln>
     </cs:spPr>
-    <cs:defRPr sz="1197" kern="1200"/>
+    <cs:defRPr sz="900" kern="1200"/>
     <cs:bodyPr rot="0" spcFirstLastPara="1" vertOverflow="clip" horzOverflow="clip" vert="horz" wrap="square" lIns="36576" tIns="18288" rIns="36576" bIns="18288" anchor="ctr" anchorCtr="1">
       <a:spAutoFit/>
     </cs:bodyPr>
@@ -6025,7 +6521,7 @@
       <a:schemeClr val="tx1"/>
     </cs:fontRef>
     <cs:spPr>
-      <a:ln w="28575" cap="rnd">
+      <a:ln w="19050" cap="rnd">
         <a:solidFill>
           <a:schemeClr val="phClr"/>
         </a:solidFill>
@@ -6057,10 +6553,10 @@
     <cs:lnRef idx="0">
       <cs:styleClr val="auto"/>
     </cs:lnRef>
-    <cs:fillRef idx="1"/>
-    <cs:effectRef idx="0"/>
-    <cs:fontRef idx="minor">
-      <a:schemeClr val="tx1"/>
+    <cs:fillRef idx="0"/>
+    <cs:effectRef idx="0"/>
+    <cs:fontRef idx="minor">
+      <a:schemeClr val="dk1"/>
     </cs:fontRef>
     <cs:spPr>
       <a:ln w="9525" cap="rnd">
@@ -6093,29 +6589,30 @@
         <a:round/>
       </a:ln>
     </cs:spPr>
-    <cs:defRPr sz="1197" kern="1200"/>
+    <cs:defRPr sz="900" kern="1200"/>
   </cs:dataTable>
   <cs:downBar>
     <cs:lnRef idx="0"/>
     <cs:fillRef idx="0"/>
     <cs:effectRef idx="0"/>
     <cs:fontRef idx="minor">
-      <a:schemeClr val="dk1"/>
+      <a:schemeClr val="tx1"/>
     </cs:fontRef>
     <cs:spPr>
       <a:solidFill>
         <a:schemeClr val="dk1">
-          <a:lumMod val="65000"/>
-          <a:lumOff val="35000"/>
+          <a:lumMod val="75000"/>
+          <a:lumOff val="25000"/>
         </a:schemeClr>
       </a:solidFill>
-      <a:ln w="9525">
+      <a:ln w="9525" cap="flat" cmpd="sng" algn="ctr">
         <a:solidFill>
           <a:schemeClr val="tx1">
             <a:lumMod val="65000"/>
             <a:lumOff val="35000"/>
           </a:schemeClr>
         </a:solidFill>
+        <a:round/>
       </a:ln>
     </cs:spPr>
   </cs:downBar>
@@ -6220,8 +6717,8 @@
       <a:ln w="9525" cap="flat" cmpd="sng" algn="ctr">
         <a:solidFill>
           <a:schemeClr val="tx1">
-            <a:lumMod val="75000"/>
-            <a:lumOff val="25000"/>
+            <a:lumMod val="50000"/>
+            <a:lumOff val="50000"/>
           </a:schemeClr>
         </a:solidFill>
         <a:round/>
@@ -6257,7 +6754,7 @@
         <a:lumOff val="35000"/>
       </a:schemeClr>
     </cs:fontRef>
-    <cs:defRPr sz="1197" kern="1200"/>
+    <cs:defRPr sz="900" kern="1200"/>
   </cs:legend>
   <cs:plotArea mods="allowNoFillOverride allowNoLineOverride">
     <cs:lnRef idx="0"/>
@@ -6285,7 +6782,7 @@
         <a:lumOff val="35000"/>
       </a:schemeClr>
     </cs:fontRef>
-    <cs:defRPr sz="1197" kern="1200"/>
+    <cs:defRPr sz="900" kern="1200"/>
   </cs:seriesAxis>
   <cs:seriesLine>
     <cs:lnRef idx="0"/>
@@ -6316,7 +6813,7 @@
         <a:lumOff val="35000"/>
       </a:schemeClr>
     </cs:fontRef>
-    <cs:defRPr sz="1862" b="0" kern="1200" spc="0" baseline="0"/>
+    <cs:defRPr sz="1400" b="0" kern="1200" spc="0" baseline="0"/>
   </cs:title>
   <cs:trendline>
     <cs:lnRef idx="0">
@@ -6346,26 +6843,27 @@
         <a:lumOff val="35000"/>
       </a:schemeClr>
     </cs:fontRef>
-    <cs:defRPr sz="1197" kern="1200"/>
+    <cs:defRPr sz="900" kern="1200"/>
   </cs:trendlineLabel>
   <cs:upBar>
     <cs:lnRef idx="0"/>
     <cs:fillRef idx="0"/>
     <cs:effectRef idx="0"/>
     <cs:fontRef idx="minor">
-      <a:schemeClr val="dk1"/>
+      <a:schemeClr val="tx1"/>
     </cs:fontRef>
     <cs:spPr>
       <a:solidFill>
         <a:schemeClr val="lt1"/>
       </a:solidFill>
-      <a:ln w="9525">
+      <a:ln w="9525" cap="flat" cmpd="sng" algn="ctr">
         <a:solidFill>
           <a:schemeClr val="tx1">
-            <a:lumMod val="15000"/>
-            <a:lumOff val="85000"/>
+            <a:lumMod val="65000"/>
+            <a:lumOff val="35000"/>
           </a:schemeClr>
         </a:solidFill>
+        <a:round/>
       </a:ln>
     </cs:spPr>
   </cs:upBar>
@@ -6379,7 +6877,18 @@
         <a:lumOff val="35000"/>
       </a:schemeClr>
     </cs:fontRef>
-    <cs:defRPr sz="1197" kern="1200"/>
+    <cs:spPr>
+      <a:ln w="9525" cap="flat" cmpd="sng" algn="ctr">
+        <a:solidFill>
+          <a:schemeClr val="tx1">
+            <a:lumMod val="25000"/>
+            <a:lumOff val="75000"/>
+          </a:schemeClr>
+        </a:solidFill>
+        <a:round/>
+      </a:ln>
+    </cs:spPr>
+    <cs:defRPr sz="900" kern="1200"/>
   </cs:valueAxis>
   <cs:wall>
     <cs:lnRef idx="0"/>
@@ -7405,6 +7914,509 @@
 </file>
 
 <file path=ppt/charts/style8.xml><?xml version="1.0" encoding="utf-8"?>
+<cs:chartStyle xmlns:cs="http://schemas.microsoft.com/office/drawing/2012/chartStyle" xmlns:a="http://schemas.openxmlformats.org/drawingml/2006/main" id="201">
+  <cs:axisTitle>
+    <cs:lnRef idx="0"/>
+    <cs:fillRef idx="0"/>
+    <cs:effectRef idx="0"/>
+    <cs:fontRef idx="minor">
+      <a:schemeClr val="tx1">
+        <a:lumMod val="65000"/>
+        <a:lumOff val="35000"/>
+      </a:schemeClr>
+    </cs:fontRef>
+    <cs:defRPr sz="1330" kern="1200"/>
+  </cs:axisTitle>
+  <cs:categoryAxis>
+    <cs:lnRef idx="0"/>
+    <cs:fillRef idx="0"/>
+    <cs:effectRef idx="0"/>
+    <cs:fontRef idx="minor">
+      <a:schemeClr val="tx1">
+        <a:lumMod val="65000"/>
+        <a:lumOff val="35000"/>
+      </a:schemeClr>
+    </cs:fontRef>
+    <cs:spPr>
+      <a:ln w="9525" cap="flat" cmpd="sng" algn="ctr">
+        <a:solidFill>
+          <a:schemeClr val="tx1">
+            <a:lumMod val="15000"/>
+            <a:lumOff val="85000"/>
+          </a:schemeClr>
+        </a:solidFill>
+        <a:round/>
+      </a:ln>
+    </cs:spPr>
+    <cs:defRPr sz="1197" kern="1200"/>
+  </cs:categoryAxis>
+  <cs:chartArea mods="allowNoFillOverride allowNoLineOverride">
+    <cs:lnRef idx="0"/>
+    <cs:fillRef idx="0"/>
+    <cs:effectRef idx="0"/>
+    <cs:fontRef idx="minor">
+      <a:schemeClr val="tx1"/>
+    </cs:fontRef>
+    <cs:spPr>
+      <a:solidFill>
+        <a:schemeClr val="bg1"/>
+      </a:solidFill>
+      <a:ln w="9525" cap="flat" cmpd="sng" algn="ctr">
+        <a:solidFill>
+          <a:schemeClr val="tx1">
+            <a:lumMod val="15000"/>
+            <a:lumOff val="85000"/>
+          </a:schemeClr>
+        </a:solidFill>
+        <a:round/>
+      </a:ln>
+    </cs:spPr>
+    <cs:defRPr sz="1330" kern="1200"/>
+  </cs:chartArea>
+  <cs:dataLabel>
+    <cs:lnRef idx="0"/>
+    <cs:fillRef idx="0"/>
+    <cs:effectRef idx="0"/>
+    <cs:fontRef idx="minor">
+      <a:schemeClr val="tx1">
+        <a:lumMod val="75000"/>
+        <a:lumOff val="25000"/>
+      </a:schemeClr>
+    </cs:fontRef>
+    <cs:defRPr sz="1197" kern="1200"/>
+  </cs:dataLabel>
+  <cs:dataLabelCallout>
+    <cs:lnRef idx="0"/>
+    <cs:fillRef idx="0"/>
+    <cs:effectRef idx="0"/>
+    <cs:fontRef idx="minor">
+      <a:schemeClr val="dk1">
+        <a:lumMod val="65000"/>
+        <a:lumOff val="35000"/>
+      </a:schemeClr>
+    </cs:fontRef>
+    <cs:spPr>
+      <a:solidFill>
+        <a:schemeClr val="lt1"/>
+      </a:solidFill>
+      <a:ln>
+        <a:solidFill>
+          <a:schemeClr val="dk1">
+            <a:lumMod val="25000"/>
+            <a:lumOff val="75000"/>
+          </a:schemeClr>
+        </a:solidFill>
+      </a:ln>
+    </cs:spPr>
+    <cs:defRPr sz="1197" kern="1200"/>
+    <cs:bodyPr rot="0" spcFirstLastPara="1" vertOverflow="clip" horzOverflow="clip" vert="horz" wrap="square" lIns="36576" tIns="18288" rIns="36576" bIns="18288" anchor="ctr" anchorCtr="1">
+      <a:spAutoFit/>
+    </cs:bodyPr>
+  </cs:dataLabelCallout>
+  <cs:dataPoint>
+    <cs:lnRef idx="0"/>
+    <cs:fillRef idx="1">
+      <cs:styleClr val="auto"/>
+    </cs:fillRef>
+    <cs:effectRef idx="0"/>
+    <cs:fontRef idx="minor">
+      <a:schemeClr val="tx1"/>
+    </cs:fontRef>
+  </cs:dataPoint>
+  <cs:dataPoint3D>
+    <cs:lnRef idx="0"/>
+    <cs:fillRef idx="1">
+      <cs:styleClr val="auto"/>
+    </cs:fillRef>
+    <cs:effectRef idx="0"/>
+    <cs:fontRef idx="minor">
+      <a:schemeClr val="tx1"/>
+    </cs:fontRef>
+  </cs:dataPoint3D>
+  <cs:dataPointLine>
+    <cs:lnRef idx="0">
+      <cs:styleClr val="auto"/>
+    </cs:lnRef>
+    <cs:fillRef idx="1"/>
+    <cs:effectRef idx="0"/>
+    <cs:fontRef idx="minor">
+      <a:schemeClr val="tx1"/>
+    </cs:fontRef>
+    <cs:spPr>
+      <a:ln w="28575" cap="rnd">
+        <a:solidFill>
+          <a:schemeClr val="phClr"/>
+        </a:solidFill>
+        <a:round/>
+      </a:ln>
+    </cs:spPr>
+  </cs:dataPointLine>
+  <cs:dataPointMarker>
+    <cs:lnRef idx="0">
+      <cs:styleClr val="auto"/>
+    </cs:lnRef>
+    <cs:fillRef idx="1">
+      <cs:styleClr val="auto"/>
+    </cs:fillRef>
+    <cs:effectRef idx="0"/>
+    <cs:fontRef idx="minor">
+      <a:schemeClr val="tx1"/>
+    </cs:fontRef>
+    <cs:spPr>
+      <a:ln w="9525">
+        <a:solidFill>
+          <a:schemeClr val="phClr"/>
+        </a:solidFill>
+      </a:ln>
+    </cs:spPr>
+  </cs:dataPointMarker>
+  <cs:dataPointMarkerLayout symbol="circle" size="5"/>
+  <cs:dataPointWireframe>
+    <cs:lnRef idx="0">
+      <cs:styleClr val="auto"/>
+    </cs:lnRef>
+    <cs:fillRef idx="1"/>
+    <cs:effectRef idx="0"/>
+    <cs:fontRef idx="minor">
+      <a:schemeClr val="tx1"/>
+    </cs:fontRef>
+    <cs:spPr>
+      <a:ln w="9525" cap="rnd">
+        <a:solidFill>
+          <a:schemeClr val="phClr"/>
+        </a:solidFill>
+        <a:round/>
+      </a:ln>
+    </cs:spPr>
+  </cs:dataPointWireframe>
+  <cs:dataTable>
+    <cs:lnRef idx="0"/>
+    <cs:fillRef idx="0"/>
+    <cs:effectRef idx="0"/>
+    <cs:fontRef idx="minor">
+      <a:schemeClr val="tx1">
+        <a:lumMod val="65000"/>
+        <a:lumOff val="35000"/>
+      </a:schemeClr>
+    </cs:fontRef>
+    <cs:spPr>
+      <a:noFill/>
+      <a:ln w="9525" cap="flat" cmpd="sng" algn="ctr">
+        <a:solidFill>
+          <a:schemeClr val="tx1">
+            <a:lumMod val="15000"/>
+            <a:lumOff val="85000"/>
+          </a:schemeClr>
+        </a:solidFill>
+        <a:round/>
+      </a:ln>
+    </cs:spPr>
+    <cs:defRPr sz="1197" kern="1200"/>
+  </cs:dataTable>
+  <cs:downBar>
+    <cs:lnRef idx="0"/>
+    <cs:fillRef idx="0"/>
+    <cs:effectRef idx="0"/>
+    <cs:fontRef idx="minor">
+      <a:schemeClr val="dk1"/>
+    </cs:fontRef>
+    <cs:spPr>
+      <a:solidFill>
+        <a:schemeClr val="dk1">
+          <a:lumMod val="65000"/>
+          <a:lumOff val="35000"/>
+        </a:schemeClr>
+      </a:solidFill>
+      <a:ln w="9525">
+        <a:solidFill>
+          <a:schemeClr val="tx1">
+            <a:lumMod val="65000"/>
+            <a:lumOff val="35000"/>
+          </a:schemeClr>
+        </a:solidFill>
+      </a:ln>
+    </cs:spPr>
+  </cs:downBar>
+  <cs:dropLine>
+    <cs:lnRef idx="0"/>
+    <cs:fillRef idx="0"/>
+    <cs:effectRef idx="0"/>
+    <cs:fontRef idx="minor">
+      <a:schemeClr val="tx1"/>
+    </cs:fontRef>
+    <cs:spPr>
+      <a:ln w="9525" cap="flat" cmpd="sng" algn="ctr">
+        <a:solidFill>
+          <a:schemeClr val="tx1">
+            <a:lumMod val="35000"/>
+            <a:lumOff val="65000"/>
+          </a:schemeClr>
+        </a:solidFill>
+        <a:round/>
+      </a:ln>
+    </cs:spPr>
+  </cs:dropLine>
+  <cs:errorBar>
+    <cs:lnRef idx="0"/>
+    <cs:fillRef idx="0"/>
+    <cs:effectRef idx="0"/>
+    <cs:fontRef idx="minor">
+      <a:schemeClr val="tx1"/>
+    </cs:fontRef>
+    <cs:spPr>
+      <a:ln w="9525" cap="flat" cmpd="sng" algn="ctr">
+        <a:solidFill>
+          <a:schemeClr val="tx1">
+            <a:lumMod val="65000"/>
+            <a:lumOff val="35000"/>
+          </a:schemeClr>
+        </a:solidFill>
+        <a:round/>
+      </a:ln>
+    </cs:spPr>
+  </cs:errorBar>
+  <cs:floor>
+    <cs:lnRef idx="0"/>
+    <cs:fillRef idx="0"/>
+    <cs:effectRef idx="0"/>
+    <cs:fontRef idx="minor">
+      <a:schemeClr val="tx1"/>
+    </cs:fontRef>
+    <cs:spPr>
+      <a:noFill/>
+      <a:ln>
+        <a:noFill/>
+      </a:ln>
+    </cs:spPr>
+  </cs:floor>
+  <cs:gridlineMajor>
+    <cs:lnRef idx="0"/>
+    <cs:fillRef idx="0"/>
+    <cs:effectRef idx="0"/>
+    <cs:fontRef idx="minor">
+      <a:schemeClr val="tx1"/>
+    </cs:fontRef>
+    <cs:spPr>
+      <a:ln w="9525" cap="flat" cmpd="sng" algn="ctr">
+        <a:solidFill>
+          <a:schemeClr val="tx1">
+            <a:lumMod val="15000"/>
+            <a:lumOff val="85000"/>
+          </a:schemeClr>
+        </a:solidFill>
+        <a:round/>
+      </a:ln>
+    </cs:spPr>
+  </cs:gridlineMajor>
+  <cs:gridlineMinor>
+    <cs:lnRef idx="0"/>
+    <cs:fillRef idx="0"/>
+    <cs:effectRef idx="0"/>
+    <cs:fontRef idx="minor">
+      <a:schemeClr val="tx1"/>
+    </cs:fontRef>
+    <cs:spPr>
+      <a:ln w="9525" cap="flat" cmpd="sng" algn="ctr">
+        <a:solidFill>
+          <a:schemeClr val="tx1">
+            <a:lumMod val="5000"/>
+            <a:lumOff val="95000"/>
+          </a:schemeClr>
+        </a:solidFill>
+        <a:round/>
+      </a:ln>
+    </cs:spPr>
+  </cs:gridlineMinor>
+  <cs:hiLoLine>
+    <cs:lnRef idx="0"/>
+    <cs:fillRef idx="0"/>
+    <cs:effectRef idx="0"/>
+    <cs:fontRef idx="minor">
+      <a:schemeClr val="tx1"/>
+    </cs:fontRef>
+    <cs:spPr>
+      <a:ln w="9525" cap="flat" cmpd="sng" algn="ctr">
+        <a:solidFill>
+          <a:schemeClr val="tx1">
+            <a:lumMod val="75000"/>
+            <a:lumOff val="25000"/>
+          </a:schemeClr>
+        </a:solidFill>
+        <a:round/>
+      </a:ln>
+    </cs:spPr>
+  </cs:hiLoLine>
+  <cs:leaderLine>
+    <cs:lnRef idx="0"/>
+    <cs:fillRef idx="0"/>
+    <cs:effectRef idx="0"/>
+    <cs:fontRef idx="minor">
+      <a:schemeClr val="tx1"/>
+    </cs:fontRef>
+    <cs:spPr>
+      <a:ln w="9525" cap="flat" cmpd="sng" algn="ctr">
+        <a:solidFill>
+          <a:schemeClr val="tx1">
+            <a:lumMod val="35000"/>
+            <a:lumOff val="65000"/>
+          </a:schemeClr>
+        </a:solidFill>
+        <a:round/>
+      </a:ln>
+    </cs:spPr>
+  </cs:leaderLine>
+  <cs:legend>
+    <cs:lnRef idx="0"/>
+    <cs:fillRef idx="0"/>
+    <cs:effectRef idx="0"/>
+    <cs:fontRef idx="minor">
+      <a:schemeClr val="tx1">
+        <a:lumMod val="65000"/>
+        <a:lumOff val="35000"/>
+      </a:schemeClr>
+    </cs:fontRef>
+    <cs:defRPr sz="1197" kern="1200"/>
+  </cs:legend>
+  <cs:plotArea mods="allowNoFillOverride allowNoLineOverride">
+    <cs:lnRef idx="0"/>
+    <cs:fillRef idx="0"/>
+    <cs:effectRef idx="0"/>
+    <cs:fontRef idx="minor">
+      <a:schemeClr val="tx1"/>
+    </cs:fontRef>
+  </cs:plotArea>
+  <cs:plotArea3D mods="allowNoFillOverride allowNoLineOverride">
+    <cs:lnRef idx="0"/>
+    <cs:fillRef idx="0"/>
+    <cs:effectRef idx="0"/>
+    <cs:fontRef idx="minor">
+      <a:schemeClr val="tx1"/>
+    </cs:fontRef>
+  </cs:plotArea3D>
+  <cs:seriesAxis>
+    <cs:lnRef idx="0"/>
+    <cs:fillRef idx="0"/>
+    <cs:effectRef idx="0"/>
+    <cs:fontRef idx="minor">
+      <a:schemeClr val="tx1">
+        <a:lumMod val="65000"/>
+        <a:lumOff val="35000"/>
+      </a:schemeClr>
+    </cs:fontRef>
+    <cs:defRPr sz="1197" kern="1200"/>
+  </cs:seriesAxis>
+  <cs:seriesLine>
+    <cs:lnRef idx="0"/>
+    <cs:fillRef idx="0"/>
+    <cs:effectRef idx="0"/>
+    <cs:fontRef idx="minor">
+      <a:schemeClr val="tx1"/>
+    </cs:fontRef>
+    <cs:spPr>
+      <a:ln w="9525" cap="flat" cmpd="sng" algn="ctr">
+        <a:solidFill>
+          <a:schemeClr val="tx1">
+            <a:lumMod val="35000"/>
+            <a:lumOff val="65000"/>
+          </a:schemeClr>
+        </a:solidFill>
+        <a:round/>
+      </a:ln>
+    </cs:spPr>
+  </cs:seriesLine>
+  <cs:title>
+    <cs:lnRef idx="0"/>
+    <cs:fillRef idx="0"/>
+    <cs:effectRef idx="0"/>
+    <cs:fontRef idx="minor">
+      <a:schemeClr val="tx1">
+        <a:lumMod val="65000"/>
+        <a:lumOff val="35000"/>
+      </a:schemeClr>
+    </cs:fontRef>
+    <cs:defRPr sz="1862" b="0" kern="1200" spc="0" baseline="0"/>
+  </cs:title>
+  <cs:trendline>
+    <cs:lnRef idx="0">
+      <cs:styleClr val="auto"/>
+    </cs:lnRef>
+    <cs:fillRef idx="0"/>
+    <cs:effectRef idx="0"/>
+    <cs:fontRef idx="minor">
+      <a:schemeClr val="tx1"/>
+    </cs:fontRef>
+    <cs:spPr>
+      <a:ln w="19050" cap="rnd">
+        <a:solidFill>
+          <a:schemeClr val="phClr"/>
+        </a:solidFill>
+        <a:prstDash val="sysDot"/>
+      </a:ln>
+    </cs:spPr>
+  </cs:trendline>
+  <cs:trendlineLabel>
+    <cs:lnRef idx="0"/>
+    <cs:fillRef idx="0"/>
+    <cs:effectRef idx="0"/>
+    <cs:fontRef idx="minor">
+      <a:schemeClr val="tx1">
+        <a:lumMod val="65000"/>
+        <a:lumOff val="35000"/>
+      </a:schemeClr>
+    </cs:fontRef>
+    <cs:defRPr sz="1197" kern="1200"/>
+  </cs:trendlineLabel>
+  <cs:upBar>
+    <cs:lnRef idx="0"/>
+    <cs:fillRef idx="0"/>
+    <cs:effectRef idx="0"/>
+    <cs:fontRef idx="minor">
+      <a:schemeClr val="dk1"/>
+    </cs:fontRef>
+    <cs:spPr>
+      <a:solidFill>
+        <a:schemeClr val="lt1"/>
+      </a:solidFill>
+      <a:ln w="9525">
+        <a:solidFill>
+          <a:schemeClr val="tx1">
+            <a:lumMod val="15000"/>
+            <a:lumOff val="85000"/>
+          </a:schemeClr>
+        </a:solidFill>
+      </a:ln>
+    </cs:spPr>
+  </cs:upBar>
+  <cs:valueAxis>
+    <cs:lnRef idx="0"/>
+    <cs:fillRef idx="0"/>
+    <cs:effectRef idx="0"/>
+    <cs:fontRef idx="minor">
+      <a:schemeClr val="tx1">
+        <a:lumMod val="65000"/>
+        <a:lumOff val="35000"/>
+      </a:schemeClr>
+    </cs:fontRef>
+    <cs:defRPr sz="1197" kern="1200"/>
+  </cs:valueAxis>
+  <cs:wall>
+    <cs:lnRef idx="0"/>
+    <cs:fillRef idx="0"/>
+    <cs:effectRef idx="0"/>
+    <cs:fontRef idx="minor">
+      <a:schemeClr val="tx1"/>
+    </cs:fontRef>
+    <cs:spPr>
+      <a:noFill/>
+      <a:ln>
+        <a:noFill/>
+      </a:ln>
+    </cs:spPr>
+  </cs:wall>
+</cs:chartStyle>
+</file>
+
+<file path=ppt/charts/style9.xml><?xml version="1.0" encoding="utf-8"?>
 <cs:chartStyle xmlns:cs="http://schemas.microsoft.com/office/drawing/2012/chartStyle" xmlns:a="http://schemas.openxmlformats.org/drawingml/2006/main" id="201">
   <cs:axisTitle>
     <cs:lnRef idx="0"/>
@@ -8038,7 +9050,7 @@
           <a:p>
             <a:fld id="{D64FD604-F1A9-4B90-8805-4707117889ED}" type="datetimeFigureOut">
               <a:rPr lang="en-US" smtClean="0"/>
-              <a:t>5/2/2018</a:t>
+              <a:t>5/3/2018</a:t>
             </a:fld>
             <a:endParaRPr lang="en-US"/>
           </a:p>
@@ -8208,7 +9220,7 @@
           <a:p>
             <a:fld id="{D64FD604-F1A9-4B90-8805-4707117889ED}" type="datetimeFigureOut">
               <a:rPr lang="en-US" smtClean="0"/>
-              <a:t>5/2/2018</a:t>
+              <a:t>5/3/2018</a:t>
             </a:fld>
             <a:endParaRPr lang="en-US"/>
           </a:p>
@@ -8388,7 +9400,7 @@
           <a:p>
             <a:fld id="{D64FD604-F1A9-4B90-8805-4707117889ED}" type="datetimeFigureOut">
               <a:rPr lang="en-US" smtClean="0"/>
-              <a:t>5/2/2018</a:t>
+              <a:t>5/3/2018</a:t>
             </a:fld>
             <a:endParaRPr lang="en-US"/>
           </a:p>
@@ -8558,7 +9570,7 @@
           <a:p>
             <a:fld id="{D64FD604-F1A9-4B90-8805-4707117889ED}" type="datetimeFigureOut">
               <a:rPr lang="en-US" smtClean="0"/>
-              <a:t>5/2/2018</a:t>
+              <a:t>5/3/2018</a:t>
             </a:fld>
             <a:endParaRPr lang="en-US"/>
           </a:p>
@@ -8804,7 +9816,7 @@
           <a:p>
             <a:fld id="{D64FD604-F1A9-4B90-8805-4707117889ED}" type="datetimeFigureOut">
               <a:rPr lang="en-US" smtClean="0"/>
-              <a:t>5/2/2018</a:t>
+              <a:t>5/3/2018</a:t>
             </a:fld>
             <a:endParaRPr lang="en-US"/>
           </a:p>
@@ -9036,7 +10048,7 @@
           <a:p>
             <a:fld id="{D64FD604-F1A9-4B90-8805-4707117889ED}" type="datetimeFigureOut">
               <a:rPr lang="en-US" smtClean="0"/>
-              <a:t>5/2/2018</a:t>
+              <a:t>5/3/2018</a:t>
             </a:fld>
             <a:endParaRPr lang="en-US"/>
           </a:p>
@@ -9403,7 +10415,7 @@
           <a:p>
             <a:fld id="{D64FD604-F1A9-4B90-8805-4707117889ED}" type="datetimeFigureOut">
               <a:rPr lang="en-US" smtClean="0"/>
-              <a:t>5/2/2018</a:t>
+              <a:t>5/3/2018</a:t>
             </a:fld>
             <a:endParaRPr lang="en-US"/>
           </a:p>
@@ -9521,7 +10533,7 @@
           <a:p>
             <a:fld id="{D64FD604-F1A9-4B90-8805-4707117889ED}" type="datetimeFigureOut">
               <a:rPr lang="en-US" smtClean="0"/>
-              <a:t>5/2/2018</a:t>
+              <a:t>5/3/2018</a:t>
             </a:fld>
             <a:endParaRPr lang="en-US"/>
           </a:p>
@@ -9616,7 +10628,7 @@
           <a:p>
             <a:fld id="{D64FD604-F1A9-4B90-8805-4707117889ED}" type="datetimeFigureOut">
               <a:rPr lang="en-US" smtClean="0"/>
-              <a:t>5/2/2018</a:t>
+              <a:t>5/3/2018</a:t>
             </a:fld>
             <a:endParaRPr lang="en-US"/>
           </a:p>
@@ -9893,7 +10905,7 @@
           <a:p>
             <a:fld id="{D64FD604-F1A9-4B90-8805-4707117889ED}" type="datetimeFigureOut">
               <a:rPr lang="en-US" smtClean="0"/>
-              <a:t>5/2/2018</a:t>
+              <a:t>5/3/2018</a:t>
             </a:fld>
             <a:endParaRPr lang="en-US"/>
           </a:p>
@@ -10146,7 +11158,7 @@
           <a:p>
             <a:fld id="{D64FD604-F1A9-4B90-8805-4707117889ED}" type="datetimeFigureOut">
               <a:rPr lang="en-US" smtClean="0"/>
-              <a:t>5/2/2018</a:t>
+              <a:t>5/3/2018</a:t>
             </a:fld>
             <a:endParaRPr lang="en-US"/>
           </a:p>
@@ -10359,7 +11371,7 @@
           <a:p>
             <a:fld id="{D64FD604-F1A9-4B90-8805-4707117889ED}" type="datetimeFigureOut">
               <a:rPr lang="en-US" smtClean="0"/>
-              <a:t>5/2/2018</a:t>
+              <a:t>5/3/2018</a:t>
             </a:fld>
             <a:endParaRPr lang="en-US"/>
           </a:p>
@@ -10890,6 +11902,93 @@
           <a:chExt cx="0" cy="0"/>
         </a:xfrm>
       </p:grpSpPr>
+      <p:graphicFrame>
+        <p:nvGraphicFramePr>
+          <p:cNvPr id="4" name="Chart 3"/>
+          <p:cNvGraphicFramePr>
+            <a:graphicFrameLocks/>
+          </p:cNvGraphicFramePr>
+          <p:nvPr>
+            <p:extLst/>
+          </p:nvPr>
+        </p:nvGraphicFramePr>
+        <p:xfrm>
+          <a:off x="4685" y="1652239"/>
+          <a:ext cx="12187315" cy="5205761"/>
+        </p:xfrm>
+        <a:graphic>
+          <a:graphicData uri="http://schemas.openxmlformats.org/drawingml/2006/chart">
+            <c:chart xmlns:c="http://schemas.openxmlformats.org/drawingml/2006/chart" xmlns:r="http://schemas.openxmlformats.org/officeDocument/2006/relationships" r:id="rId2"/>
+          </a:graphicData>
+        </a:graphic>
+      </p:graphicFrame>
+      <p:sp>
+        <p:nvSpPr>
+          <p:cNvPr id="8" name="Subtitle 7"/>
+          <p:cNvSpPr>
+            <a:spLocks noGrp="1"/>
+          </p:cNvSpPr>
+          <p:nvPr>
+            <p:ph type="subTitle" idx="1"/>
+          </p:nvPr>
+        </p:nvSpPr>
+        <p:spPr>
+          <a:xfrm>
+            <a:off x="0" y="0"/>
+            <a:ext cx="12187315" cy="1655762"/>
+          </a:xfrm>
+        </p:spPr>
+        <p:txBody>
+          <a:bodyPr>
+            <a:noAutofit/>
+          </a:bodyPr>
+          <a:lstStyle/>
+          <a:p>
+            <a:r>
+              <a:rPr lang="en-US" sz="4000" b="1" u="sng" dirty="0" smtClean="0"/>
+              <a:t>CUMULATIVE FDI INFLOW</a:t>
+            </a:r>
+            <a:endParaRPr lang="en-US" sz="4000" b="1" u="sng" dirty="0"/>
+          </a:p>
+        </p:txBody>
+      </p:sp>
+    </p:spTree>
+    <p:extLst>
+      <p:ext uri="{BB962C8B-B14F-4D97-AF65-F5344CB8AC3E}">
+        <p14:creationId xmlns:p14="http://schemas.microsoft.com/office/powerpoint/2010/main" val="579046755"/>
+      </p:ext>
+    </p:extLst>
+  </p:cSld>
+  <p:clrMapOvr>
+    <a:masterClrMapping/>
+  </p:clrMapOvr>
+  <p:timing>
+    <p:tnLst>
+      <p:par>
+        <p:cTn id="1" dur="indefinite" restart="never" nodeType="tmRoot"/>
+      </p:par>
+    </p:tnLst>
+  </p:timing>
+</p:sld>
+</file>
+
+<file path=ppt/slides/slide3.xml><?xml version="1.0" encoding="utf-8"?>
+<p:sld xmlns:a="http://schemas.openxmlformats.org/drawingml/2006/main" xmlns:r="http://schemas.openxmlformats.org/officeDocument/2006/relationships" xmlns:p="http://schemas.openxmlformats.org/presentationml/2006/main">
+  <p:cSld>
+    <p:spTree>
+      <p:nvGrpSpPr>
+        <p:cNvPr id="1" name=""/>
+        <p:cNvGrpSpPr/>
+        <p:nvPr/>
+      </p:nvGrpSpPr>
+      <p:grpSpPr>
+        <a:xfrm>
+          <a:off x="0" y="0"/>
+          <a:ext cx="0" cy="0"/>
+          <a:chOff x="0" y="0"/>
+          <a:chExt cx="0" cy="0"/>
+        </a:xfrm>
+      </p:grpSpPr>
       <p:sp>
         <p:nvSpPr>
           <p:cNvPr id="2" name="Subtitle 4"/>
@@ -11156,7 +12255,7 @@
 </p:sld>
 </file>
 
-<file path=ppt/slides/slide3.xml><?xml version="1.0" encoding="utf-8"?>
+<file path=ppt/slides/slide4.xml><?xml version="1.0" encoding="utf-8"?>
 <p:sld xmlns:a="http://schemas.openxmlformats.org/drawingml/2006/main" xmlns:r="http://schemas.openxmlformats.org/officeDocument/2006/relationships" xmlns:p="http://schemas.openxmlformats.org/presentationml/2006/main">
   <p:cSld>
     <p:spTree>
@@ -11445,7 +12544,7 @@
 </p:sld>
 </file>
 
-<file path=ppt/slides/slide4.xml><?xml version="1.0" encoding="utf-8"?>
+<file path=ppt/slides/slide5.xml><?xml version="1.0" encoding="utf-8"?>
 <p:sld xmlns:a="http://schemas.openxmlformats.org/drawingml/2006/main" xmlns:r="http://schemas.openxmlformats.org/officeDocument/2006/relationships" xmlns:p="http://schemas.openxmlformats.org/presentationml/2006/main">
   <p:cSld>
     <p:spTree>
@@ -11851,7 +12950,7 @@
 </p:sld>
 </file>
 
-<file path=ppt/slides/slide5.xml><?xml version="1.0" encoding="utf-8"?>
+<file path=ppt/slides/slide6.xml><?xml version="1.0" encoding="utf-8"?>
 <p:sld xmlns:a="http://schemas.openxmlformats.org/drawingml/2006/main" xmlns:r="http://schemas.openxmlformats.org/officeDocument/2006/relationships" xmlns:p="http://schemas.openxmlformats.org/presentationml/2006/main">
   <p:cSld>
     <p:spTree>
